--- a/figure/MetaNetwork/Presentation1.pptx
+++ b/figure/MetaNetwork/Presentation1.pptx
@@ -6,6 +6,8 @@
   </p:sldMasterIdLst>
   <p:sldIdLst>
     <p:sldId id="257" r:id="rId2"/>
+    <p:sldId id="258" r:id="rId3"/>
+    <p:sldId id="259" r:id="rId4"/>
   </p:sldIdLst>
   <p:sldSz cx="12192000" cy="6858000"/>
   <p:notesSz cx="6858000" cy="9144000"/>
@@ -243,7 +245,7 @@
           <a:p>
             <a:fld id="{F8F4B5D1-92C0-F343-A1EE-A5546B97A5F9}" type="datetimeFigureOut">
               <a:rPr lang="en-US" smtClean="0"/>
-              <a:t>4/16/18</a:t>
+              <a:t>4/19/18</a:t>
             </a:fld>
             <a:endParaRPr lang="en-US"/>
           </a:p>
@@ -413,7 +415,7 @@
           <a:p>
             <a:fld id="{F8F4B5D1-92C0-F343-A1EE-A5546B97A5F9}" type="datetimeFigureOut">
               <a:rPr lang="en-US" smtClean="0"/>
-              <a:t>4/16/18</a:t>
+              <a:t>4/19/18</a:t>
             </a:fld>
             <a:endParaRPr lang="en-US"/>
           </a:p>
@@ -593,7 +595,7 @@
           <a:p>
             <a:fld id="{F8F4B5D1-92C0-F343-A1EE-A5546B97A5F9}" type="datetimeFigureOut">
               <a:rPr lang="en-US" smtClean="0"/>
-              <a:t>4/16/18</a:t>
+              <a:t>4/19/18</a:t>
             </a:fld>
             <a:endParaRPr lang="en-US"/>
           </a:p>
@@ -763,7 +765,7 @@
           <a:p>
             <a:fld id="{F8F4B5D1-92C0-F343-A1EE-A5546B97A5F9}" type="datetimeFigureOut">
               <a:rPr lang="en-US" smtClean="0"/>
-              <a:t>4/16/18</a:t>
+              <a:t>4/19/18</a:t>
             </a:fld>
             <a:endParaRPr lang="en-US"/>
           </a:p>
@@ -1009,7 +1011,7 @@
           <a:p>
             <a:fld id="{F8F4B5D1-92C0-F343-A1EE-A5546B97A5F9}" type="datetimeFigureOut">
               <a:rPr lang="en-US" smtClean="0"/>
-              <a:t>4/16/18</a:t>
+              <a:t>4/19/18</a:t>
             </a:fld>
             <a:endParaRPr lang="en-US"/>
           </a:p>
@@ -1241,7 +1243,7 @@
           <a:p>
             <a:fld id="{F8F4B5D1-92C0-F343-A1EE-A5546B97A5F9}" type="datetimeFigureOut">
               <a:rPr lang="en-US" smtClean="0"/>
-              <a:t>4/16/18</a:t>
+              <a:t>4/19/18</a:t>
             </a:fld>
             <a:endParaRPr lang="en-US"/>
           </a:p>
@@ -1608,7 +1610,7 @@
           <a:p>
             <a:fld id="{F8F4B5D1-92C0-F343-A1EE-A5546B97A5F9}" type="datetimeFigureOut">
               <a:rPr lang="en-US" smtClean="0"/>
-              <a:t>4/16/18</a:t>
+              <a:t>4/19/18</a:t>
             </a:fld>
             <a:endParaRPr lang="en-US"/>
           </a:p>
@@ -1726,7 +1728,7 @@
           <a:p>
             <a:fld id="{F8F4B5D1-92C0-F343-A1EE-A5546B97A5F9}" type="datetimeFigureOut">
               <a:rPr lang="en-US" smtClean="0"/>
-              <a:t>4/16/18</a:t>
+              <a:t>4/19/18</a:t>
             </a:fld>
             <a:endParaRPr lang="en-US"/>
           </a:p>
@@ -1821,7 +1823,7 @@
           <a:p>
             <a:fld id="{F8F4B5D1-92C0-F343-A1EE-A5546B97A5F9}" type="datetimeFigureOut">
               <a:rPr lang="en-US" smtClean="0"/>
-              <a:t>4/16/18</a:t>
+              <a:t>4/19/18</a:t>
             </a:fld>
             <a:endParaRPr lang="en-US"/>
           </a:p>
@@ -2098,7 +2100,7 @@
           <a:p>
             <a:fld id="{F8F4B5D1-92C0-F343-A1EE-A5546B97A5F9}" type="datetimeFigureOut">
               <a:rPr lang="en-US" smtClean="0"/>
-              <a:t>4/16/18</a:t>
+              <a:t>4/19/18</a:t>
             </a:fld>
             <a:endParaRPr lang="en-US"/>
           </a:p>
@@ -2351,7 +2353,7 @@
           <a:p>
             <a:fld id="{F8F4B5D1-92C0-F343-A1EE-A5546B97A5F9}" type="datetimeFigureOut">
               <a:rPr lang="en-US" smtClean="0"/>
-              <a:t>4/16/18</a:t>
+              <a:t>4/19/18</a:t>
             </a:fld>
             <a:endParaRPr lang="en-US"/>
           </a:p>
@@ -2564,7 +2566,7 @@
           <a:p>
             <a:fld id="{F8F4B5D1-92C0-F343-A1EE-A5546B97A5F9}" type="datetimeFigureOut">
               <a:rPr lang="en-US" smtClean="0"/>
-              <a:t>4/16/18</a:t>
+              <a:t>4/19/18</a:t>
             </a:fld>
             <a:endParaRPr lang="en-US"/>
           </a:p>
@@ -3012,6 +3014,186 @@
 </p:sld>
 </file>
 
+<file path=ppt/slides/slide2.xml><?xml version="1.0" encoding="utf-8"?>
+<p:sld xmlns:a="http://schemas.openxmlformats.org/drawingml/2006/main" xmlns:r="http://schemas.openxmlformats.org/officeDocument/2006/relationships" xmlns:p="http://schemas.openxmlformats.org/presentationml/2006/main">
+  <p:cSld>
+    <p:spTree>
+      <p:nvGrpSpPr>
+        <p:cNvPr id="1" name=""/>
+        <p:cNvGrpSpPr/>
+        <p:nvPr/>
+      </p:nvGrpSpPr>
+      <p:grpSpPr>
+        <a:xfrm>
+          <a:off x="0" y="0"/>
+          <a:ext cx="0" cy="0"/>
+          <a:chOff x="0" y="0"/>
+          <a:chExt cx="0" cy="0"/>
+        </a:xfrm>
+      </p:grpSpPr>
+      <p:pic>
+        <p:nvPicPr>
+          <p:cNvPr id="2" name="Picture 1"/>
+          <p:cNvPicPr>
+            <a:picLocks noChangeAspect="1"/>
+          </p:cNvPicPr>
+          <p:nvPr/>
+        </p:nvPicPr>
+        <p:blipFill>
+          <a:blip r:embed="rId2">
+            <a:extLst>
+              <a:ext uri="{28A0092B-C50C-407E-A947-70E740481C1C}">
+                <a14:useLocalDpi xmlns:a14="http://schemas.microsoft.com/office/drawing/2010/main" val="0"/>
+              </a:ext>
+            </a:extLst>
+          </a:blip>
+          <a:stretch>
+            <a:fillRect/>
+          </a:stretch>
+        </p:blipFill>
+        <p:spPr>
+          <a:xfrm>
+            <a:off x="0" y="-1"/>
+            <a:ext cx="6955558" cy="3344891"/>
+          </a:xfrm>
+          <a:prstGeom prst="rect">
+            <a:avLst/>
+          </a:prstGeom>
+        </p:spPr>
+      </p:pic>
+      <p:pic>
+        <p:nvPicPr>
+          <p:cNvPr id="3" name="Picture 2"/>
+          <p:cNvPicPr>
+            <a:picLocks noChangeAspect="1"/>
+          </p:cNvPicPr>
+          <p:nvPr/>
+        </p:nvPicPr>
+        <p:blipFill>
+          <a:blip r:embed="rId3">
+            <a:extLst>
+              <a:ext uri="{28A0092B-C50C-407E-A947-70E740481C1C}">
+                <a14:useLocalDpi xmlns:a14="http://schemas.microsoft.com/office/drawing/2010/main" val="0"/>
+              </a:ext>
+            </a:extLst>
+          </a:blip>
+          <a:stretch>
+            <a:fillRect/>
+          </a:stretch>
+        </p:blipFill>
+        <p:spPr>
+          <a:xfrm>
+            <a:off x="0" y="3276600"/>
+            <a:ext cx="6955558" cy="3581400"/>
+          </a:xfrm>
+          <a:prstGeom prst="rect">
+            <a:avLst/>
+          </a:prstGeom>
+        </p:spPr>
+      </p:pic>
+    </p:spTree>
+    <p:extLst>
+      <p:ext uri="{BB962C8B-B14F-4D97-AF65-F5344CB8AC3E}">
+        <p14:creationId xmlns:p14="http://schemas.microsoft.com/office/powerpoint/2010/main" val="991066779"/>
+      </p:ext>
+    </p:extLst>
+  </p:cSld>
+  <p:clrMapOvr>
+    <a:masterClrMapping/>
+  </p:clrMapOvr>
+</p:sld>
+</file>
+
+<file path=ppt/slides/slide3.xml><?xml version="1.0" encoding="utf-8"?>
+<p:sld xmlns:a="http://schemas.openxmlformats.org/drawingml/2006/main" xmlns:r="http://schemas.openxmlformats.org/officeDocument/2006/relationships" xmlns:p="http://schemas.openxmlformats.org/presentationml/2006/main">
+  <p:cSld>
+    <p:spTree>
+      <p:nvGrpSpPr>
+        <p:cNvPr id="1" name=""/>
+        <p:cNvGrpSpPr/>
+        <p:nvPr/>
+      </p:nvGrpSpPr>
+      <p:grpSpPr>
+        <a:xfrm>
+          <a:off x="0" y="0"/>
+          <a:ext cx="0" cy="0"/>
+          <a:chOff x="0" y="0"/>
+          <a:chExt cx="0" cy="0"/>
+        </a:xfrm>
+      </p:grpSpPr>
+      <p:pic>
+        <p:nvPicPr>
+          <p:cNvPr id="2" name="Picture 1"/>
+          <p:cNvPicPr>
+            <a:picLocks noChangeAspect="1"/>
+          </p:cNvPicPr>
+          <p:nvPr/>
+        </p:nvPicPr>
+        <p:blipFill>
+          <a:blip r:embed="rId2">
+            <a:extLst>
+              <a:ext uri="{28A0092B-C50C-407E-A947-70E740481C1C}">
+                <a14:useLocalDpi xmlns:a14="http://schemas.microsoft.com/office/drawing/2010/main" val="0"/>
+              </a:ext>
+            </a:extLst>
+          </a:blip>
+          <a:stretch>
+            <a:fillRect/>
+          </a:stretch>
+        </p:blipFill>
+        <p:spPr>
+          <a:xfrm>
+            <a:off x="0" y="0"/>
+            <a:ext cx="6015789" cy="3538351"/>
+          </a:xfrm>
+          <a:prstGeom prst="rect">
+            <a:avLst/>
+          </a:prstGeom>
+        </p:spPr>
+      </p:pic>
+      <p:pic>
+        <p:nvPicPr>
+          <p:cNvPr id="3" name="Picture 2"/>
+          <p:cNvPicPr>
+            <a:picLocks noChangeAspect="1"/>
+          </p:cNvPicPr>
+          <p:nvPr/>
+        </p:nvPicPr>
+        <p:blipFill>
+          <a:blip r:embed="rId3">
+            <a:extLst>
+              <a:ext uri="{28A0092B-C50C-407E-A947-70E740481C1C}">
+                <a14:useLocalDpi xmlns:a14="http://schemas.microsoft.com/office/drawing/2010/main" val="0"/>
+              </a:ext>
+            </a:extLst>
+          </a:blip>
+          <a:stretch>
+            <a:fillRect/>
+          </a:stretch>
+        </p:blipFill>
+        <p:spPr>
+          <a:xfrm>
+            <a:off x="0" y="3473405"/>
+            <a:ext cx="6015789" cy="3384595"/>
+          </a:xfrm>
+          <a:prstGeom prst="rect">
+            <a:avLst/>
+          </a:prstGeom>
+        </p:spPr>
+      </p:pic>
+    </p:spTree>
+    <p:extLst>
+      <p:ext uri="{BB962C8B-B14F-4D97-AF65-F5344CB8AC3E}">
+        <p14:creationId xmlns:p14="http://schemas.microsoft.com/office/powerpoint/2010/main" val="1495530216"/>
+      </p:ext>
+    </p:extLst>
+  </p:cSld>
+  <p:clrMapOvr>
+    <a:masterClrMapping/>
+  </p:clrMapOvr>
+</p:sld>
+</file>
+
 <file path=ppt/theme/theme1.xml><?xml version="1.0" encoding="utf-8"?>
 <a:theme xmlns:a="http://schemas.openxmlformats.org/drawingml/2006/main" name="Office Theme">
   <a:themeElements>
